--- a/RessourcesAnnexes/Mayo.pptx
+++ b/RessourcesAnnexes/Mayo.pptx
@@ -222,7 +222,7 @@
           <a:p>
             <a:fld id="{495FBB65-3CF8-4396-B531-2186A115FCBE}" type="datetimeFigureOut">
               <a:rPr lang="fr-FR" smtClean="0"/>
-              <a:t>22/06/2023</a:t>
+              <a:t>13/07/2023</a:t>
             </a:fld>
             <a:endParaRPr lang="fr-FR"/>
           </a:p>
@@ -2064,7 +2064,7 @@
           <a:p>
             <a:fld id="{01F1A230-F3DD-4E64-8206-30C60EF91C56}" type="datetimeFigureOut">
               <a:rPr lang="fr-FR" smtClean="0"/>
-              <a:t>22/06/2023</a:t>
+              <a:t>13/07/2023</a:t>
             </a:fld>
             <a:endParaRPr lang="fr-FR"/>
           </a:p>
@@ -2262,7 +2262,7 @@
           <a:p>
             <a:fld id="{01F1A230-F3DD-4E64-8206-30C60EF91C56}" type="datetimeFigureOut">
               <a:rPr lang="fr-FR" smtClean="0"/>
-              <a:t>22/06/2023</a:t>
+              <a:t>13/07/2023</a:t>
             </a:fld>
             <a:endParaRPr lang="fr-FR"/>
           </a:p>
@@ -2470,7 +2470,7 @@
           <a:p>
             <a:fld id="{01F1A230-F3DD-4E64-8206-30C60EF91C56}" type="datetimeFigureOut">
               <a:rPr lang="fr-FR" smtClean="0"/>
-              <a:t>22/06/2023</a:t>
+              <a:t>13/07/2023</a:t>
             </a:fld>
             <a:endParaRPr lang="fr-FR"/>
           </a:p>
@@ -2668,7 +2668,7 @@
           <a:p>
             <a:fld id="{01F1A230-F3DD-4E64-8206-30C60EF91C56}" type="datetimeFigureOut">
               <a:rPr lang="fr-FR" smtClean="0"/>
-              <a:t>22/06/2023</a:t>
+              <a:t>13/07/2023</a:t>
             </a:fld>
             <a:endParaRPr lang="fr-FR"/>
           </a:p>
@@ -2943,7 +2943,7 @@
           <a:p>
             <a:fld id="{01F1A230-F3DD-4E64-8206-30C60EF91C56}" type="datetimeFigureOut">
               <a:rPr lang="fr-FR" smtClean="0"/>
-              <a:t>22/06/2023</a:t>
+              <a:t>13/07/2023</a:t>
             </a:fld>
             <a:endParaRPr lang="fr-FR"/>
           </a:p>
@@ -3208,7 +3208,7 @@
           <a:p>
             <a:fld id="{01F1A230-F3DD-4E64-8206-30C60EF91C56}" type="datetimeFigureOut">
               <a:rPr lang="fr-FR" smtClean="0"/>
-              <a:t>22/06/2023</a:t>
+              <a:t>13/07/2023</a:t>
             </a:fld>
             <a:endParaRPr lang="fr-FR"/>
           </a:p>
@@ -3620,7 +3620,7 @@
           <a:p>
             <a:fld id="{01F1A230-F3DD-4E64-8206-30C60EF91C56}" type="datetimeFigureOut">
               <a:rPr lang="fr-FR" smtClean="0"/>
-              <a:t>22/06/2023</a:t>
+              <a:t>13/07/2023</a:t>
             </a:fld>
             <a:endParaRPr lang="fr-FR"/>
           </a:p>
@@ -3761,7 +3761,7 @@
           <a:p>
             <a:fld id="{01F1A230-F3DD-4E64-8206-30C60EF91C56}" type="datetimeFigureOut">
               <a:rPr lang="fr-FR" smtClean="0"/>
-              <a:t>22/06/2023</a:t>
+              <a:t>13/07/2023</a:t>
             </a:fld>
             <a:endParaRPr lang="fr-FR"/>
           </a:p>
@@ -3874,7 +3874,7 @@
           <a:p>
             <a:fld id="{01F1A230-F3DD-4E64-8206-30C60EF91C56}" type="datetimeFigureOut">
               <a:rPr lang="fr-FR" smtClean="0"/>
-              <a:t>22/06/2023</a:t>
+              <a:t>13/07/2023</a:t>
             </a:fld>
             <a:endParaRPr lang="fr-FR"/>
           </a:p>
@@ -4185,7 +4185,7 @@
           <a:p>
             <a:fld id="{01F1A230-F3DD-4E64-8206-30C60EF91C56}" type="datetimeFigureOut">
               <a:rPr lang="fr-FR" smtClean="0"/>
-              <a:t>22/06/2023</a:t>
+              <a:t>13/07/2023</a:t>
             </a:fld>
             <a:endParaRPr lang="fr-FR"/>
           </a:p>
@@ -4473,7 +4473,7 @@
           <a:p>
             <a:fld id="{01F1A230-F3DD-4E64-8206-30C60EF91C56}" type="datetimeFigureOut">
               <a:rPr lang="fr-FR" smtClean="0"/>
-              <a:t>22/06/2023</a:t>
+              <a:t>13/07/2023</a:t>
             </a:fld>
             <a:endParaRPr lang="fr-FR"/>
           </a:p>
@@ -4714,7 +4714,7 @@
           <a:p>
             <a:fld id="{01F1A230-F3DD-4E64-8206-30C60EF91C56}" type="datetimeFigureOut">
               <a:rPr lang="fr-FR" smtClean="0"/>
-              <a:t>22/06/2023</a:t>
+              <a:t>13/07/2023</a:t>
             </a:fld>
             <a:endParaRPr lang="fr-FR"/>
           </a:p>
